--- a/COMP702/10/2019-20-COMP702-10-lecture-materials.pptx
+++ b/COMP702/10/2019-20-COMP702-10-lecture-materials.pptx
@@ -5,7 +5,7 @@
     <p:sldMasterId id="2147483660" r:id="rId1"/>
   </p:sldMasterIdLst>
   <p:notesMasterIdLst>
-    <p:notesMasterId r:id="rId23"/>
+    <p:notesMasterId r:id="rId24"/>
   </p:notesMasterIdLst>
   <p:sldIdLst>
     <p:sldId id="256" r:id="rId2"/>
@@ -25,10 +25,11 @@
     <p:sldId id="285" r:id="rId16"/>
     <p:sldId id="286" r:id="rId17"/>
     <p:sldId id="287" r:id="rId18"/>
-    <p:sldId id="288" r:id="rId19"/>
-    <p:sldId id="289" r:id="rId20"/>
-    <p:sldId id="290" r:id="rId21"/>
-    <p:sldId id="291" r:id="rId22"/>
+    <p:sldId id="293" r:id="rId19"/>
+    <p:sldId id="288" r:id="rId20"/>
+    <p:sldId id="289" r:id="rId21"/>
+    <p:sldId id="290" r:id="rId22"/>
+    <p:sldId id="291" r:id="rId23"/>
   </p:sldIdLst>
   <p:sldSz cx="9144000" cy="6858000" type="screen4x3"/>
   <p:notesSz cx="6858000" cy="9144000"/>
@@ -750,7 +751,7 @@
             <a:fld id="{5923F103-BC34-4FE4-A40E-EDDEECFDA5D0}" type="datetimeFigureOut">
               <a:rPr lang="en-US" smtClean="0"/>
               <a:pPr/>
-              <a:t>11/26/2019</a:t>
+              <a:t>11/26/19</a:t>
             </a:fld>
             <a:endParaRPr lang="en-US" dirty="0"/>
           </a:p>
@@ -1013,7 +1014,7 @@
           <a:p>
             <a:fld id="{53086D93-FCAC-47E0-A2EE-787E62CA814C}" type="datetimeFigureOut">
               <a:rPr lang="en-US" smtClean="0"/>
-              <a:t>11/26/2019</a:t>
+              <a:t>11/26/19</a:t>
             </a:fld>
             <a:endParaRPr lang="en-US" dirty="0"/>
           </a:p>
@@ -1249,7 +1250,7 @@
           <a:p>
             <a:fld id="{CDA879A6-0FD0-4734-A311-86BFCA472E6E}" type="datetimeFigureOut">
               <a:rPr lang="en-US" smtClean="0"/>
-              <a:t>11/26/2019</a:t>
+              <a:t>11/26/19</a:t>
             </a:fld>
             <a:endParaRPr lang="en-US" dirty="0"/>
           </a:p>
@@ -1505,7 +1506,7 @@
           <a:p>
             <a:fld id="{19C9CA7B-DFD4-44B5-8C60-D14B8CD1FB59}" type="datetimeFigureOut">
               <a:rPr lang="en-US" smtClean="0"/>
-              <a:t>11/26/2019</a:t>
+              <a:t>11/26/19</a:t>
             </a:fld>
             <a:endParaRPr lang="en-US" dirty="0"/>
           </a:p>
@@ -1813,7 +1814,7 @@
           <a:p>
             <a:fld id="{F34E6425-0181-43F2-84FC-787E803FD2F8}" type="datetimeFigureOut">
               <a:rPr lang="en-US" smtClean="0"/>
-              <a:t>11/26/2019</a:t>
+              <a:t>11/26/19</a:t>
             </a:fld>
             <a:endParaRPr lang="en-US" dirty="0"/>
           </a:p>
@@ -2116,7 +2117,7 @@
           <a:p>
             <a:fld id="{3BDB8791-F1B0-41E7-B7FD-A781E65C4266}" type="datetimeFigureOut">
               <a:rPr lang="en-US" smtClean="0"/>
-              <a:t>11/26/2019</a:t>
+              <a:t>11/26/19</a:t>
             </a:fld>
             <a:endParaRPr lang="en-US" dirty="0"/>
           </a:p>
@@ -2539,7 +2540,7 @@
           <a:p>
             <a:fld id="{5FDD63B2-E120-4ED8-B27B-C685F510A5FE}" type="datetimeFigureOut">
               <a:rPr lang="en-US" smtClean="0"/>
-              <a:t>11/26/2019</a:t>
+              <a:t>11/26/19</a:t>
             </a:fld>
             <a:endParaRPr lang="en-US" dirty="0"/>
           </a:p>
@@ -2702,7 +2703,7 @@
           <a:p>
             <a:fld id="{7AA18ACC-A947-437B-A130-35BD54FDF1E9}" type="datetimeFigureOut">
               <a:rPr lang="en-US" smtClean="0"/>
-              <a:t>11/26/2019</a:t>
+              <a:t>11/26/19</a:t>
             </a:fld>
             <a:endParaRPr lang="en-US" dirty="0"/>
           </a:p>
@@ -2798,7 +2799,7 @@
           <a:p>
             <a:fld id="{7C8D7E02-BCB8-4D50-A234-369438C08659}" type="datetimeFigureOut">
               <a:rPr lang="en-US" smtClean="0"/>
-              <a:t>11/26/2019</a:t>
+              <a:t>11/26/19</a:t>
             </a:fld>
             <a:endParaRPr lang="en-US" dirty="0"/>
           </a:p>
@@ -3177,7 +3178,7 @@
           <a:p>
             <a:fld id="{76E86A4C-8E40-4F87-A4F0-01A0687C5742}" type="datetimeFigureOut">
               <a:rPr lang="en-US" smtClean="0"/>
-              <a:t>11/26/2019</a:t>
+              <a:t>11/26/19</a:t>
             </a:fld>
             <a:endParaRPr lang="en-US" dirty="0"/>
           </a:p>
@@ -3467,7 +3468,7 @@
           <a:p>
             <a:fld id="{35E72C73-2D91-4E12-BA25-F0AA0C03599B}" type="datetimeFigureOut">
               <a:rPr lang="en-US" smtClean="0"/>
-              <a:t>11/26/2019</a:t>
+              <a:t>11/26/19</a:t>
             </a:fld>
             <a:endParaRPr lang="en-US" dirty="0"/>
           </a:p>
@@ -3679,7 +3680,7 @@
           <a:p>
             <a:fld id="{2BE451C3-0FF4-47C4-B829-773ADF60F88C}" type="datetimeFigureOut">
               <a:rPr lang="en-US" smtClean="0"/>
-              <a:t>11/26/2019</a:t>
+              <a:t>11/26/19</a:t>
             </a:fld>
             <a:endParaRPr lang="en-US" dirty="0"/>
           </a:p>
@@ -6568,8 +6569,8 @@
           </a:p>
         </p:txBody>
       </p:sp>
-      <mc:AlternateContent xmlns:mc="http://schemas.openxmlformats.org/markup-compatibility/2006">
-        <mc:Choice xmlns:a14="http://schemas.microsoft.com/office/drawing/2010/main" Requires="a14">
+      <mc:AlternateContent xmlns:mc="http://schemas.openxmlformats.org/markup-compatibility/2006" xmlns:a14="http://schemas.microsoft.com/office/drawing/2010/main">
+        <mc:Choice Requires="a14">
           <p:sp>
             <p:nvSpPr>
               <p:cNvPr id="4" name="Speech Bubble: Rectangle 3">
@@ -6650,7 +6651,7 @@
             </p:txBody>
           </p:sp>
         </mc:Choice>
-        <mc:Fallback>
+        <mc:Fallback xmlns="">
           <p:sp>
             <p:nvSpPr>
               <p:cNvPr id="4" name="Speech Bubble: Rectangle 3">
@@ -6698,8 +6699,8 @@
           </p:sp>
         </mc:Fallback>
       </mc:AlternateContent>
-      <mc:AlternateContent xmlns:mc="http://schemas.openxmlformats.org/markup-compatibility/2006">
-        <mc:Choice xmlns:a14="http://schemas.microsoft.com/office/drawing/2010/main" Requires="a14">
+      <mc:AlternateContent xmlns:mc="http://schemas.openxmlformats.org/markup-compatibility/2006" xmlns:a14="http://schemas.microsoft.com/office/drawing/2010/main">
+        <mc:Choice Requires="a14">
           <p:sp>
             <p:nvSpPr>
               <p:cNvPr id="5" name="Speech Bubble: Rectangle 4">
@@ -6773,7 +6774,7 @@
             </p:txBody>
           </p:sp>
         </mc:Choice>
-        <mc:Fallback>
+        <mc:Fallback xmlns="">
           <p:sp>
             <p:nvSpPr>
               <p:cNvPr id="5" name="Speech Bubble: Rectangle 4">
@@ -7946,6 +7947,426 @@
           <p:cNvPr id="2" name="Title 1">
             <a:extLst>
               <a:ext uri="{FF2B5EF4-FFF2-40B4-BE49-F238E27FC236}">
+                <a16:creationId xmlns:a16="http://schemas.microsoft.com/office/drawing/2014/main" id="{949F8F57-D531-3046-9985-1040EC01AF2A}"/>
+              </a:ext>
+            </a:extLst>
+          </p:cNvPr>
+          <p:cNvSpPr>
+            <a:spLocks noGrp="1"/>
+          </p:cNvSpPr>
+          <p:nvPr>
+            <p:ph type="title"/>
+          </p:nvPr>
+        </p:nvSpPr>
+        <p:spPr/>
+        <p:txBody>
+          <a:bodyPr/>
+          <a:lstStyle/>
+          <a:p>
+            <a:r>
+              <a:rPr lang="en-US" dirty="0"/>
+              <a:t>How does Prolog execute queries?</a:t>
+            </a:r>
+          </a:p>
+        </p:txBody>
+      </p:sp>
+      <p:sp>
+        <p:nvSpPr>
+          <p:cNvPr id="3" name="Content Placeholder 2">
+            <a:extLst>
+              <a:ext uri="{FF2B5EF4-FFF2-40B4-BE49-F238E27FC236}">
+                <a16:creationId xmlns:a16="http://schemas.microsoft.com/office/drawing/2014/main" id="{ADD87098-1BAE-4042-A579-33852ECCF99D}"/>
+              </a:ext>
+            </a:extLst>
+          </p:cNvPr>
+          <p:cNvSpPr>
+            <a:spLocks noGrp="1"/>
+          </p:cNvSpPr>
+          <p:nvPr>
+            <p:ph idx="1"/>
+          </p:nvPr>
+        </p:nvSpPr>
+        <p:spPr/>
+        <p:txBody>
+          <a:bodyPr>
+            <a:normAutofit/>
+          </a:bodyPr>
+          <a:lstStyle/>
+          <a:p>
+            <a:r>
+              <a:rPr lang="en-US" dirty="0"/>
+              <a:t>Uses </a:t>
+            </a:r>
+            <a:r>
+              <a:rPr lang="en-US" b="1" dirty="0"/>
+              <a:t>Selective Linear Definite (SLD) resolution</a:t>
+            </a:r>
+          </a:p>
+          <a:p>
+            <a:r>
+              <a:rPr lang="en-US" dirty="0"/>
+              <a:t>Multiple rules for a predicate imply a </a:t>
+            </a:r>
+            <a:r>
+              <a:rPr lang="en-US" b="1" dirty="0"/>
+              <a:t>choice point</a:t>
+            </a:r>
+            <a:r>
+              <a:rPr lang="en-US" dirty="0"/>
+              <a:t>, which leads to a </a:t>
+            </a:r>
+            <a:r>
+              <a:rPr lang="en-US" b="1" dirty="0"/>
+              <a:t>backtracking search</a:t>
+            </a:r>
+          </a:p>
+          <a:p>
+            <a:r>
+              <a:rPr lang="en-US" dirty="0"/>
+              <a:t>Care is needed to avoid </a:t>
+            </a:r>
+            <a:r>
+              <a:rPr lang="en-US" b="1" dirty="0"/>
+              <a:t>infinite loops </a:t>
+            </a:r>
+            <a:r>
+              <a:rPr lang="en-US" dirty="0" err="1"/>
+              <a:t>etc</a:t>
+            </a:r>
+            <a:endParaRPr lang="en-US" dirty="0"/>
+          </a:p>
+          <a:p>
+            <a:r>
+              <a:rPr lang="en-US" dirty="0"/>
+              <a:t>Can be thought of as a special case of a </a:t>
+            </a:r>
+            <a:r>
+              <a:rPr lang="en-US" b="1" dirty="0"/>
+              <a:t>Boolean satisfiability problem (SAT problem)</a:t>
+            </a:r>
+          </a:p>
+          <a:p>
+            <a:pPr lvl="1"/>
+            <a:r>
+              <a:rPr lang="en-US" dirty="0"/>
+              <a:t>In the general case, SAT is NP-complete</a:t>
+            </a:r>
+          </a:p>
+        </p:txBody>
+      </p:sp>
+    </p:spTree>
+    <p:extLst>
+      <p:ext uri="{BB962C8B-B14F-4D97-AF65-F5344CB8AC3E}">
+        <p14:creationId xmlns:p14="http://schemas.microsoft.com/office/powerpoint/2010/main" val="4198030820"/>
+      </p:ext>
+    </p:extLst>
+  </p:cSld>
+  <p:clrMapOvr>
+    <a:masterClrMapping/>
+  </p:clrMapOvr>
+  <p:timing>
+    <p:tnLst>
+      <p:par>
+        <p:cTn id="1" dur="indefinite" restart="never" nodeType="tmRoot">
+          <p:childTnLst>
+            <p:seq concurrent="1" nextAc="seek">
+              <p:cTn id="2" dur="indefinite" nodeType="mainSeq">
+                <p:childTnLst>
+                  <p:par>
+                    <p:cTn id="3" fill="hold">
+                      <p:stCondLst>
+                        <p:cond delay="indefinite"/>
+                      </p:stCondLst>
+                      <p:childTnLst>
+                        <p:par>
+                          <p:cTn id="4" fill="hold">
+                            <p:stCondLst>
+                              <p:cond delay="0"/>
+                            </p:stCondLst>
+                            <p:childTnLst>
+                              <p:par>
+                                <p:cTn id="5" presetID="1" presetClass="entr" presetSubtype="0" fill="hold" grpId="0" nodeType="clickEffect">
+                                  <p:stCondLst>
+                                    <p:cond delay="0"/>
+                                  </p:stCondLst>
+                                  <p:childTnLst>
+                                    <p:set>
+                                      <p:cBhvr>
+                                        <p:cTn id="6" dur="1" fill="hold">
+                                          <p:stCondLst>
+                                            <p:cond delay="0"/>
+                                          </p:stCondLst>
+                                        </p:cTn>
+                                        <p:tgtEl>
+                                          <p:spTgt spid="3">
+                                            <p:txEl>
+                                              <p:pRg st="0" end="0"/>
+                                            </p:txEl>
+                                          </p:spTgt>
+                                        </p:tgtEl>
+                                        <p:attrNameLst>
+                                          <p:attrName>style.visibility</p:attrName>
+                                        </p:attrNameLst>
+                                      </p:cBhvr>
+                                      <p:to>
+                                        <p:strVal val="visible"/>
+                                      </p:to>
+                                    </p:set>
+                                  </p:childTnLst>
+                                </p:cTn>
+                              </p:par>
+                            </p:childTnLst>
+                          </p:cTn>
+                        </p:par>
+                      </p:childTnLst>
+                    </p:cTn>
+                  </p:par>
+                  <p:par>
+                    <p:cTn id="7" fill="hold">
+                      <p:stCondLst>
+                        <p:cond delay="indefinite"/>
+                      </p:stCondLst>
+                      <p:childTnLst>
+                        <p:par>
+                          <p:cTn id="8" fill="hold">
+                            <p:stCondLst>
+                              <p:cond delay="0"/>
+                            </p:stCondLst>
+                            <p:childTnLst>
+                              <p:par>
+                                <p:cTn id="9" presetID="1" presetClass="entr" presetSubtype="0" fill="hold" grpId="0" nodeType="clickEffect">
+                                  <p:stCondLst>
+                                    <p:cond delay="0"/>
+                                  </p:stCondLst>
+                                  <p:childTnLst>
+                                    <p:set>
+                                      <p:cBhvr>
+                                        <p:cTn id="10" dur="1" fill="hold">
+                                          <p:stCondLst>
+                                            <p:cond delay="0"/>
+                                          </p:stCondLst>
+                                        </p:cTn>
+                                        <p:tgtEl>
+                                          <p:spTgt spid="3">
+                                            <p:txEl>
+                                              <p:pRg st="1" end="1"/>
+                                            </p:txEl>
+                                          </p:spTgt>
+                                        </p:tgtEl>
+                                        <p:attrNameLst>
+                                          <p:attrName>style.visibility</p:attrName>
+                                        </p:attrNameLst>
+                                      </p:cBhvr>
+                                      <p:to>
+                                        <p:strVal val="visible"/>
+                                      </p:to>
+                                    </p:set>
+                                  </p:childTnLst>
+                                </p:cTn>
+                              </p:par>
+                            </p:childTnLst>
+                          </p:cTn>
+                        </p:par>
+                      </p:childTnLst>
+                    </p:cTn>
+                  </p:par>
+                  <p:par>
+                    <p:cTn id="11" fill="hold">
+                      <p:stCondLst>
+                        <p:cond delay="indefinite"/>
+                      </p:stCondLst>
+                      <p:childTnLst>
+                        <p:par>
+                          <p:cTn id="12" fill="hold">
+                            <p:stCondLst>
+                              <p:cond delay="0"/>
+                            </p:stCondLst>
+                            <p:childTnLst>
+                              <p:par>
+                                <p:cTn id="13" presetID="1" presetClass="entr" presetSubtype="0" fill="hold" grpId="0" nodeType="clickEffect">
+                                  <p:stCondLst>
+                                    <p:cond delay="0"/>
+                                  </p:stCondLst>
+                                  <p:childTnLst>
+                                    <p:set>
+                                      <p:cBhvr>
+                                        <p:cTn id="14" dur="1" fill="hold">
+                                          <p:stCondLst>
+                                            <p:cond delay="0"/>
+                                          </p:stCondLst>
+                                        </p:cTn>
+                                        <p:tgtEl>
+                                          <p:spTgt spid="3">
+                                            <p:txEl>
+                                              <p:pRg st="2" end="2"/>
+                                            </p:txEl>
+                                          </p:spTgt>
+                                        </p:tgtEl>
+                                        <p:attrNameLst>
+                                          <p:attrName>style.visibility</p:attrName>
+                                        </p:attrNameLst>
+                                      </p:cBhvr>
+                                      <p:to>
+                                        <p:strVal val="visible"/>
+                                      </p:to>
+                                    </p:set>
+                                  </p:childTnLst>
+                                </p:cTn>
+                              </p:par>
+                            </p:childTnLst>
+                          </p:cTn>
+                        </p:par>
+                      </p:childTnLst>
+                    </p:cTn>
+                  </p:par>
+                  <p:par>
+                    <p:cTn id="15" fill="hold">
+                      <p:stCondLst>
+                        <p:cond delay="indefinite"/>
+                      </p:stCondLst>
+                      <p:childTnLst>
+                        <p:par>
+                          <p:cTn id="16" fill="hold">
+                            <p:stCondLst>
+                              <p:cond delay="0"/>
+                            </p:stCondLst>
+                            <p:childTnLst>
+                              <p:par>
+                                <p:cTn id="17" presetID="1" presetClass="entr" presetSubtype="0" fill="hold" grpId="0" nodeType="clickEffect">
+                                  <p:stCondLst>
+                                    <p:cond delay="0"/>
+                                  </p:stCondLst>
+                                  <p:childTnLst>
+                                    <p:set>
+                                      <p:cBhvr>
+                                        <p:cTn id="18" dur="1" fill="hold">
+                                          <p:stCondLst>
+                                            <p:cond delay="0"/>
+                                          </p:stCondLst>
+                                        </p:cTn>
+                                        <p:tgtEl>
+                                          <p:spTgt spid="3">
+                                            <p:txEl>
+                                              <p:pRg st="3" end="3"/>
+                                            </p:txEl>
+                                          </p:spTgt>
+                                        </p:tgtEl>
+                                        <p:attrNameLst>
+                                          <p:attrName>style.visibility</p:attrName>
+                                        </p:attrNameLst>
+                                      </p:cBhvr>
+                                      <p:to>
+                                        <p:strVal val="visible"/>
+                                      </p:to>
+                                    </p:set>
+                                  </p:childTnLst>
+                                </p:cTn>
+                              </p:par>
+                            </p:childTnLst>
+                          </p:cTn>
+                        </p:par>
+                      </p:childTnLst>
+                    </p:cTn>
+                  </p:par>
+                  <p:par>
+                    <p:cTn id="19" fill="hold">
+                      <p:stCondLst>
+                        <p:cond delay="indefinite"/>
+                      </p:stCondLst>
+                      <p:childTnLst>
+                        <p:par>
+                          <p:cTn id="20" fill="hold">
+                            <p:stCondLst>
+                              <p:cond delay="0"/>
+                            </p:stCondLst>
+                            <p:childTnLst>
+                              <p:par>
+                                <p:cTn id="21" presetID="1" presetClass="entr" presetSubtype="0" fill="hold" grpId="0" nodeType="clickEffect">
+                                  <p:stCondLst>
+                                    <p:cond delay="0"/>
+                                  </p:stCondLst>
+                                  <p:childTnLst>
+                                    <p:set>
+                                      <p:cBhvr>
+                                        <p:cTn id="22" dur="1" fill="hold">
+                                          <p:stCondLst>
+                                            <p:cond delay="0"/>
+                                          </p:stCondLst>
+                                        </p:cTn>
+                                        <p:tgtEl>
+                                          <p:spTgt spid="3">
+                                            <p:txEl>
+                                              <p:pRg st="4" end="4"/>
+                                            </p:txEl>
+                                          </p:spTgt>
+                                        </p:tgtEl>
+                                        <p:attrNameLst>
+                                          <p:attrName>style.visibility</p:attrName>
+                                        </p:attrNameLst>
+                                      </p:cBhvr>
+                                      <p:to>
+                                        <p:strVal val="visible"/>
+                                      </p:to>
+                                    </p:set>
+                                  </p:childTnLst>
+                                </p:cTn>
+                              </p:par>
+                            </p:childTnLst>
+                          </p:cTn>
+                        </p:par>
+                      </p:childTnLst>
+                    </p:cTn>
+                  </p:par>
+                </p:childTnLst>
+              </p:cTn>
+              <p:prevCondLst>
+                <p:cond evt="onPrev" delay="0">
+                  <p:tgtEl>
+                    <p:sldTgt/>
+                  </p:tgtEl>
+                </p:cond>
+              </p:prevCondLst>
+              <p:nextCondLst>
+                <p:cond evt="onNext" delay="0">
+                  <p:tgtEl>
+                    <p:sldTgt/>
+                  </p:tgtEl>
+                </p:cond>
+              </p:nextCondLst>
+            </p:seq>
+          </p:childTnLst>
+        </p:cTn>
+      </p:par>
+    </p:tnLst>
+    <p:bldLst>
+      <p:bldP spid="3" grpId="0" uiExpand="1" build="p"/>
+    </p:bldLst>
+  </p:timing>
+</p:sld>
+</file>
+
+<file path=ppt/slides/slide19.xml><?xml version="1.0" encoding="utf-8"?>
+<p:sld xmlns:a="http://schemas.openxmlformats.org/drawingml/2006/main" xmlns:r="http://schemas.openxmlformats.org/officeDocument/2006/relationships" xmlns:p="http://schemas.openxmlformats.org/presentationml/2006/main">
+  <p:cSld>
+    <p:spTree>
+      <p:nvGrpSpPr>
+        <p:cNvPr id="1" name=""/>
+        <p:cNvGrpSpPr/>
+        <p:nvPr/>
+      </p:nvGrpSpPr>
+      <p:grpSpPr>
+        <a:xfrm>
+          <a:off x="0" y="0"/>
+          <a:ext cx="0" cy="0"/>
+          <a:chOff x="0" y="0"/>
+          <a:chExt cx="0" cy="0"/>
+        </a:xfrm>
+      </p:grpSpPr>
+      <p:sp>
+        <p:nvSpPr>
+          <p:cNvPr id="2" name="Title 1">
+            <a:extLst>
+              <a:ext uri="{FF2B5EF4-FFF2-40B4-BE49-F238E27FC236}">
                 <a16:creationId xmlns:a16="http://schemas.microsoft.com/office/drawing/2014/main" id="{F38A65C5-B856-49AC-B424-09BDF8F81A24}"/>
               </a:ext>
             </a:extLst>
@@ -8012,7 +8433,90 @@
 </p:sld>
 </file>
 
-<file path=ppt/slides/slide19.xml><?xml version="1.0" encoding="utf-8"?>
+<file path=ppt/slides/slide2.xml><?xml version="1.0" encoding="utf-8"?>
+<p:sld xmlns:a="http://schemas.openxmlformats.org/drawingml/2006/main" xmlns:r="http://schemas.openxmlformats.org/officeDocument/2006/relationships" xmlns:p="http://schemas.openxmlformats.org/presentationml/2006/main">
+  <p:cSld>
+    <p:spTree>
+      <p:nvGrpSpPr>
+        <p:cNvPr id="1" name=""/>
+        <p:cNvGrpSpPr/>
+        <p:nvPr/>
+      </p:nvGrpSpPr>
+      <p:grpSpPr>
+        <a:xfrm>
+          <a:off x="0" y="0"/>
+          <a:ext cx="0" cy="0"/>
+          <a:chOff x="0" y="0"/>
+          <a:chExt cx="0" cy="0"/>
+        </a:xfrm>
+      </p:grpSpPr>
+      <p:sp>
+        <p:nvSpPr>
+          <p:cNvPr id="2" name="Title 1">
+            <a:extLst>
+              <a:ext uri="{FF2B5EF4-FFF2-40B4-BE49-F238E27FC236}">
+                <a16:creationId xmlns:a16="http://schemas.microsoft.com/office/drawing/2014/main" id="{8CD00EFB-3C5A-47F7-B05D-F6CFF42F84B7}"/>
+              </a:ext>
+            </a:extLst>
+          </p:cNvPr>
+          <p:cNvSpPr>
+            <a:spLocks noGrp="1"/>
+          </p:cNvSpPr>
+          <p:nvPr>
+            <p:ph type="title"/>
+          </p:nvPr>
+        </p:nvSpPr>
+        <p:spPr/>
+        <p:txBody>
+          <a:bodyPr/>
+          <a:lstStyle/>
+          <a:p>
+            <a:r>
+              <a:rPr lang="en-GB" dirty="0"/>
+              <a:t>Logic</a:t>
+            </a:r>
+          </a:p>
+        </p:txBody>
+      </p:sp>
+      <p:sp>
+        <p:nvSpPr>
+          <p:cNvPr id="3" name="Text Placeholder 2">
+            <a:extLst>
+              <a:ext uri="{FF2B5EF4-FFF2-40B4-BE49-F238E27FC236}">
+                <a16:creationId xmlns:a16="http://schemas.microsoft.com/office/drawing/2014/main" id="{145884F9-5339-462B-A61F-8560BD7AA463}"/>
+              </a:ext>
+            </a:extLst>
+          </p:cNvPr>
+          <p:cNvSpPr>
+            <a:spLocks noGrp="1"/>
+          </p:cNvSpPr>
+          <p:nvPr>
+            <p:ph type="body" idx="1"/>
+          </p:nvPr>
+        </p:nvSpPr>
+        <p:spPr/>
+        <p:txBody>
+          <a:bodyPr/>
+          <a:lstStyle/>
+          <a:p>
+            <a:endParaRPr lang="en-GB"/>
+          </a:p>
+        </p:txBody>
+      </p:sp>
+    </p:spTree>
+    <p:extLst>
+      <p:ext uri="{BB962C8B-B14F-4D97-AF65-F5344CB8AC3E}">
+        <p14:creationId xmlns:p14="http://schemas.microsoft.com/office/powerpoint/2010/main" val="969498765"/>
+      </p:ext>
+    </p:extLst>
+  </p:cSld>
+  <p:clrMapOvr>
+    <a:masterClrMapping/>
+  </p:clrMapOvr>
+</p:sld>
+</file>
+
+<file path=ppt/slides/slide20.xml><?xml version="1.0" encoding="utf-8"?>
 <p:sld xmlns:a="http://schemas.openxmlformats.org/drawingml/2006/main" xmlns:r="http://schemas.openxmlformats.org/officeDocument/2006/relationships" xmlns:p="http://schemas.openxmlformats.org/presentationml/2006/main">
   <p:cSld>
     <p:spTree>
@@ -8418,90 +8922,7 @@
 </p:sld>
 </file>
 
-<file path=ppt/slides/slide2.xml><?xml version="1.0" encoding="utf-8"?>
-<p:sld xmlns:a="http://schemas.openxmlformats.org/drawingml/2006/main" xmlns:r="http://schemas.openxmlformats.org/officeDocument/2006/relationships" xmlns:p="http://schemas.openxmlformats.org/presentationml/2006/main">
-  <p:cSld>
-    <p:spTree>
-      <p:nvGrpSpPr>
-        <p:cNvPr id="1" name=""/>
-        <p:cNvGrpSpPr/>
-        <p:nvPr/>
-      </p:nvGrpSpPr>
-      <p:grpSpPr>
-        <a:xfrm>
-          <a:off x="0" y="0"/>
-          <a:ext cx="0" cy="0"/>
-          <a:chOff x="0" y="0"/>
-          <a:chExt cx="0" cy="0"/>
-        </a:xfrm>
-      </p:grpSpPr>
-      <p:sp>
-        <p:nvSpPr>
-          <p:cNvPr id="2" name="Title 1">
-            <a:extLst>
-              <a:ext uri="{FF2B5EF4-FFF2-40B4-BE49-F238E27FC236}">
-                <a16:creationId xmlns:a16="http://schemas.microsoft.com/office/drawing/2014/main" id="{8CD00EFB-3C5A-47F7-B05D-F6CFF42F84B7}"/>
-              </a:ext>
-            </a:extLst>
-          </p:cNvPr>
-          <p:cNvSpPr>
-            <a:spLocks noGrp="1"/>
-          </p:cNvSpPr>
-          <p:nvPr>
-            <p:ph type="title"/>
-          </p:nvPr>
-        </p:nvSpPr>
-        <p:spPr/>
-        <p:txBody>
-          <a:bodyPr/>
-          <a:lstStyle/>
-          <a:p>
-            <a:r>
-              <a:rPr lang="en-GB" dirty="0"/>
-              <a:t>Logic</a:t>
-            </a:r>
-          </a:p>
-        </p:txBody>
-      </p:sp>
-      <p:sp>
-        <p:nvSpPr>
-          <p:cNvPr id="3" name="Text Placeholder 2">
-            <a:extLst>
-              <a:ext uri="{FF2B5EF4-FFF2-40B4-BE49-F238E27FC236}">
-                <a16:creationId xmlns:a16="http://schemas.microsoft.com/office/drawing/2014/main" id="{145884F9-5339-462B-A61F-8560BD7AA463}"/>
-              </a:ext>
-            </a:extLst>
-          </p:cNvPr>
-          <p:cNvSpPr>
-            <a:spLocks noGrp="1"/>
-          </p:cNvSpPr>
-          <p:nvPr>
-            <p:ph type="body" idx="1"/>
-          </p:nvPr>
-        </p:nvSpPr>
-        <p:spPr/>
-        <p:txBody>
-          <a:bodyPr/>
-          <a:lstStyle/>
-          <a:p>
-            <a:endParaRPr lang="en-GB"/>
-          </a:p>
-        </p:txBody>
-      </p:sp>
-    </p:spTree>
-    <p:extLst>
-      <p:ext uri="{BB962C8B-B14F-4D97-AF65-F5344CB8AC3E}">
-        <p14:creationId xmlns:p14="http://schemas.microsoft.com/office/powerpoint/2010/main" val="969498765"/>
-      </p:ext>
-    </p:extLst>
-  </p:cSld>
-  <p:clrMapOvr>
-    <a:masterClrMapping/>
-  </p:clrMapOvr>
-</p:sld>
-</file>
-
-<file path=ppt/slides/slide20.xml><?xml version="1.0" encoding="utf-8"?>
+<file path=ppt/slides/slide21.xml><?xml version="1.0" encoding="utf-8"?>
 <p:sld xmlns:a="http://schemas.openxmlformats.org/drawingml/2006/main" xmlns:r="http://schemas.openxmlformats.org/officeDocument/2006/relationships" xmlns:p="http://schemas.openxmlformats.org/presentationml/2006/main">
   <p:cSld>
     <p:spTree>
@@ -8945,7 +9366,7 @@
 </p:sld>
 </file>
 
-<file path=ppt/slides/slide21.xml><?xml version="1.0" encoding="utf-8"?>
+<file path=ppt/slides/slide22.xml><?xml version="1.0" encoding="utf-8"?>
 <p:sld xmlns:a="http://schemas.openxmlformats.org/drawingml/2006/main" xmlns:r="http://schemas.openxmlformats.org/officeDocument/2006/relationships" xmlns:p="http://schemas.openxmlformats.org/presentationml/2006/main">
   <p:cSld>
     <p:spTree>
@@ -9478,8 +9899,8 @@
           </a:p>
         </p:txBody>
       </p:sp>
-      <mc:AlternateContent xmlns:mc="http://schemas.openxmlformats.org/markup-compatibility/2006">
-        <mc:Choice xmlns:a14="http://schemas.microsoft.com/office/drawing/2010/main" Requires="a14">
+      <mc:AlternateContent xmlns:mc="http://schemas.openxmlformats.org/markup-compatibility/2006" xmlns:a14="http://schemas.microsoft.com/office/drawing/2010/main">
+        <mc:Choice Requires="a14">
           <p:sp>
             <p:nvSpPr>
               <p:cNvPr id="3" name="Content Placeholder 2">
@@ -9731,7 +10152,7 @@
             </p:txBody>
           </p:sp>
         </mc:Choice>
-        <mc:Fallback>
+        <mc:Fallback xmlns="">
           <p:sp>
             <p:nvSpPr>
               <p:cNvPr id="3" name="Content Placeholder 2">
@@ -10009,8 +10430,8 @@
           </a:p>
         </p:txBody>
       </p:sp>
-      <mc:AlternateContent xmlns:mc="http://schemas.openxmlformats.org/markup-compatibility/2006">
-        <mc:Choice xmlns:a14="http://schemas.microsoft.com/office/drawing/2010/main" Requires="a14">
+      <mc:AlternateContent xmlns:mc="http://schemas.openxmlformats.org/markup-compatibility/2006" xmlns:a14="http://schemas.microsoft.com/office/drawing/2010/main">
+        <mc:Choice Requires="a14">
           <p:sp>
             <p:nvSpPr>
               <p:cNvPr id="3" name="Content Placeholder 2">
@@ -10246,7 +10667,7 @@
             </p:txBody>
           </p:sp>
         </mc:Choice>
-        <mc:Fallback>
+        <mc:Fallback xmlns="">
           <p:sp>
             <p:nvSpPr>
               <p:cNvPr id="3" name="Content Placeholder 2">
@@ -10573,8 +10994,8 @@
           </a:p>
         </p:txBody>
       </p:sp>
-      <mc:AlternateContent xmlns:mc="http://schemas.openxmlformats.org/markup-compatibility/2006">
-        <mc:Choice xmlns:a14="http://schemas.microsoft.com/office/drawing/2010/main" Requires="a14">
+      <mc:AlternateContent xmlns:mc="http://schemas.openxmlformats.org/markup-compatibility/2006" xmlns:a14="http://schemas.microsoft.com/office/drawing/2010/main">
+        <mc:Choice Requires="a14">
           <p:sp>
             <p:nvSpPr>
               <p:cNvPr id="3" name="Content Placeholder 2">
@@ -10757,7 +11178,7 @@
             </p:txBody>
           </p:sp>
         </mc:Choice>
-        <mc:Fallback>
+        <mc:Fallback xmlns="">
           <p:sp>
             <p:nvSpPr>
               <p:cNvPr id="3" name="Content Placeholder 2">
